--- a/Dissertacao/apresentação_tese.pptx
+++ b/Dissertacao/apresentação_tese.pptx
@@ -39,7 +39,7 @@
     <p:sldId id="325" r:id="rId30"/>
     <p:sldId id="310" r:id="rId31"/>
     <p:sldId id="328" r:id="rId32"/>
-    <p:sldId id="329" r:id="rId33"/>
+    <p:sldId id="351" r:id="rId33"/>
     <p:sldId id="330" r:id="rId34"/>
     <p:sldId id="331" r:id="rId35"/>
     <p:sldId id="332" r:id="rId36"/>
@@ -4009,7 +4009,7 @@
           <a:p>
             <a:fld id="{9A1B8B6B-96F8-4D16-8E4F-4787C8C52F26}" type="datetimeFigureOut">
               <a:rPr lang="en-GB" smtClean="0"/>
-              <a:t>18/09/2021</a:t>
+              <a:t>19/09/2021</a:t>
             </a:fld>
             <a:endParaRPr lang="en-GB"/>
           </a:p>
@@ -6725,7 +6725,7 @@
             <a:fld id="{96DFF08F-DC6B-4601-B491-B0F83F6DD2DA}" type="datetimeFigureOut">
               <a:rPr lang="en-US" dirty="0"/>
               <a:pPr/>
-              <a:t>9/18/2021</a:t>
+              <a:t>9/19/2021</a:t>
             </a:fld>
             <a:endParaRPr lang="en-US" dirty="0"/>
           </a:p>
@@ -6925,7 +6925,7 @@
           <a:p>
             <a:fld id="{96DFF08F-DC6B-4601-B491-B0F83F6DD2DA}" type="datetimeFigureOut">
               <a:rPr lang="en-US" dirty="0"/>
-              <a:t>9/18/2021</a:t>
+              <a:t>9/19/2021</a:t>
             </a:fld>
             <a:endParaRPr lang="en-US" dirty="0"/>
           </a:p>
@@ -7100,7 +7100,7 @@
           <a:p>
             <a:fld id="{96DFF08F-DC6B-4601-B491-B0F83F6DD2DA}" type="datetimeFigureOut">
               <a:rPr lang="en-US" dirty="0"/>
-              <a:t>9/18/2021</a:t>
+              <a:t>9/19/2021</a:t>
             </a:fld>
             <a:endParaRPr lang="en-US" dirty="0"/>
           </a:p>
@@ -7300,7 +7300,7 @@
           <a:p>
             <a:fld id="{96DFF08F-DC6B-4601-B491-B0F83F6DD2DA}" type="datetimeFigureOut">
               <a:rPr lang="en-US" dirty="0"/>
-              <a:t>9/18/2021</a:t>
+              <a:t>9/19/2021</a:t>
             </a:fld>
             <a:endParaRPr lang="en-US" dirty="0"/>
           </a:p>
@@ -7590,7 +7590,7 @@
           <a:p>
             <a:fld id="{96DFF08F-DC6B-4601-B491-B0F83F6DD2DA}" type="datetimeFigureOut">
               <a:rPr lang="en-US" dirty="0"/>
-              <a:t>9/18/2021</a:t>
+              <a:t>9/19/2021</a:t>
             </a:fld>
             <a:endParaRPr lang="en-US" dirty="0"/>
           </a:p>
@@ -7857,7 +7857,7 @@
           <a:p>
             <a:fld id="{96DFF08F-DC6B-4601-B491-B0F83F6DD2DA}" type="datetimeFigureOut">
               <a:rPr lang="en-US" dirty="0"/>
-              <a:t>9/18/2021</a:t>
+              <a:t>9/19/2021</a:t>
             </a:fld>
             <a:endParaRPr lang="en-US" dirty="0"/>
           </a:p>
@@ -8259,7 +8259,7 @@
           <a:p>
             <a:fld id="{96DFF08F-DC6B-4601-B491-B0F83F6DD2DA}" type="datetimeFigureOut">
               <a:rPr lang="en-US" dirty="0"/>
-              <a:t>9/18/2021</a:t>
+              <a:t>9/19/2021</a:t>
             </a:fld>
             <a:endParaRPr lang="en-US" dirty="0"/>
           </a:p>
@@ -8372,7 +8372,7 @@
           <a:p>
             <a:fld id="{96DFF08F-DC6B-4601-B491-B0F83F6DD2DA}" type="datetimeFigureOut">
               <a:rPr lang="en-US" dirty="0"/>
-              <a:t>9/18/2021</a:t>
+              <a:t>9/19/2021</a:t>
             </a:fld>
             <a:endParaRPr lang="en-US" dirty="0"/>
           </a:p>
@@ -8462,7 +8462,7 @@
           <a:p>
             <a:fld id="{96DFF08F-DC6B-4601-B491-B0F83F6DD2DA}" type="datetimeFigureOut">
               <a:rPr lang="en-US" dirty="0"/>
-              <a:t>9/18/2021</a:t>
+              <a:t>9/19/2021</a:t>
             </a:fld>
             <a:endParaRPr lang="en-US" dirty="0"/>
           </a:p>
@@ -8747,7 +8747,7 @@
           <a:p>
             <a:fld id="{96DFF08F-DC6B-4601-B491-B0F83F6DD2DA}" type="datetimeFigureOut">
               <a:rPr lang="en-US" dirty="0"/>
-              <a:t>9/18/2021</a:t>
+              <a:t>9/19/2021</a:t>
             </a:fld>
             <a:endParaRPr lang="en-US" dirty="0"/>
           </a:p>
@@ -9022,7 +9022,7 @@
           <a:p>
             <a:fld id="{C7616CA0-919D-4A49-9C8A-62FDFB3A5183}" type="datetimeFigureOut">
               <a:rPr lang="en-US" dirty="0"/>
-              <a:t>9/18/2021</a:t>
+              <a:t>9/19/2021</a:t>
             </a:fld>
             <a:endParaRPr lang="en-US" dirty="0"/>
           </a:p>
@@ -9268,7 +9268,7 @@
             <a:fld id="{96DFF08F-DC6B-4601-B491-B0F83F6DD2DA}" type="datetimeFigureOut">
               <a:rPr lang="en-US" dirty="0"/>
               <a:pPr/>
-              <a:t>9/18/2021</a:t>
+              <a:t>9/19/2021</a:t>
             </a:fld>
             <a:endParaRPr lang="en-US" dirty="0"/>
           </a:p>
@@ -9928,19 +9928,19 @@
               <a:rPr lang="en-US" sz="6600" dirty="0">
                 <a:latin typeface="CMBX12"/>
               </a:rPr>
-              <a:t>: A Python package for determining number </a:t>
-            </a:r>
-            <a:r>
-              <a:rPr lang="en-US" sz="6600" dirty="0" err="1">
+              <a:t>: A Python package for determining </a:t>
+            </a:r>
+            <a:r>
+              <a:rPr lang="en-US" sz="6600">
                 <a:latin typeface="CMBX12"/>
               </a:rPr>
-              <a:t>ofclusters</a:t>
+              <a:t>number of clusters </a:t>
             </a:r>
             <a:r>
               <a:rPr lang="en-US" sz="6600" dirty="0">
                 <a:latin typeface="CMBX12"/>
               </a:rPr>
-              <a:t> in a Longitudinal Dataset</a:t>
+              <a:t>in a Longitudinal Dataset</a:t>
             </a:r>
             <a:endParaRPr lang="en-GB" sz="6600" dirty="0">
               <a:solidFill>
@@ -24926,7 +24926,11 @@
             </a:pPr>
             <a:r>
               <a:rPr lang="pt-PT" dirty="0"/>
-              <a:t> Python package that performs clustering evaluation of any list-type dataset or distance matrix.</a:t>
+              <a:t> Python package that performs clustering evaluation of any list-type dataset or distance matrix. Published in Pypi: </a:t>
+            </a:r>
+            <a:r>
+              <a:rPr lang="pt-PT" b="1" u="sng" dirty="0"/>
+              <a:t>https://pypi.org/project/clusterval/</a:t>
             </a:r>
           </a:p>
           <a:p>
@@ -25134,13 +25138,13 @@
   <p:clrMapOvr>
     <a:masterClrMapping/>
   </p:clrMapOvr>
-  <mc:AlternateContent xmlns:mc="http://schemas.openxmlformats.org/markup-compatibility/2006">
-    <mc:Choice xmlns:p159="http://schemas.microsoft.com/office/powerpoint/2015/09/main" Requires="p159">
+  <mc:AlternateContent xmlns:mc="http://schemas.openxmlformats.org/markup-compatibility/2006" xmlns:p159="http://schemas.microsoft.com/office/powerpoint/2015/09/main">
+    <mc:Choice Requires="p159">
       <p:transition xmlns:p14="http://schemas.microsoft.com/office/powerpoint/2010/main" spd="slow" p14:dur="2000">
         <p159:morph option="byObject"/>
       </p:transition>
     </mc:Choice>
-    <mc:Fallback>
+    <mc:Fallback xmlns="">
       <p:transition spd="slow">
         <p:fade/>
       </p:transition>
@@ -25681,13 +25685,13 @@
   <p:clrMapOvr>
     <a:masterClrMapping/>
   </p:clrMapOvr>
-  <mc:AlternateContent xmlns:mc="http://schemas.openxmlformats.org/markup-compatibility/2006">
-    <mc:Choice xmlns:p159="http://schemas.microsoft.com/office/powerpoint/2015/09/main" Requires="p159">
+  <mc:AlternateContent xmlns:mc="http://schemas.openxmlformats.org/markup-compatibility/2006" xmlns:p159="http://schemas.microsoft.com/office/powerpoint/2015/09/main">
+    <mc:Choice Requires="p159">
       <p:transition xmlns:p14="http://schemas.microsoft.com/office/powerpoint/2010/main" spd="slow" p14:dur="2000">
         <p159:morph option="byObject"/>
       </p:transition>
     </mc:Choice>
-    <mc:Fallback>
+    <mc:Fallback xmlns="">
       <p:transition spd="slow">
         <p:fade/>
       </p:transition>
@@ -26082,8 +26086,8 @@
           </a:fontRef>
         </p:style>
       </p:cxnSp>
-      <mc:AlternateContent xmlns:mc="http://schemas.openxmlformats.org/markup-compatibility/2006">
-        <mc:Choice xmlns:a14="http://schemas.microsoft.com/office/drawing/2010/main" Requires="a14">
+      <mc:AlternateContent xmlns:mc="http://schemas.openxmlformats.org/markup-compatibility/2006" xmlns:a14="http://schemas.microsoft.com/office/drawing/2010/main">
+        <mc:Choice Requires="a14">
           <p:graphicFrame>
             <p:nvGraphicFramePr>
               <p:cNvPr id="14" name="Table 14">
@@ -26526,7 +26530,7 @@
             </a:graphic>
           </p:graphicFrame>
         </mc:Choice>
-        <mc:Fallback>
+        <mc:Fallback xmlns="">
           <p:graphicFrame>
             <p:nvGraphicFramePr>
               <p:cNvPr id="14" name="Table 14">
@@ -26854,8 +26858,8 @@
           </p:graphicFrame>
         </mc:Fallback>
       </mc:AlternateContent>
-      <mc:AlternateContent xmlns:mc="http://schemas.openxmlformats.org/markup-compatibility/2006">
-        <mc:Choice xmlns:a14="http://schemas.microsoft.com/office/drawing/2010/main" Requires="a14">
+      <mc:AlternateContent xmlns:mc="http://schemas.openxmlformats.org/markup-compatibility/2006" xmlns:a14="http://schemas.microsoft.com/office/drawing/2010/main">
+        <mc:Choice Requires="a14">
           <p:graphicFrame>
             <p:nvGraphicFramePr>
               <p:cNvPr id="15" name="Table 15">
@@ -27233,7 +27237,7 @@
             </a:graphic>
           </p:graphicFrame>
         </mc:Choice>
-        <mc:Fallback>
+        <mc:Fallback xmlns="">
           <p:graphicFrame>
             <p:nvGraphicFramePr>
               <p:cNvPr id="15" name="Table 15">
@@ -27444,8 +27448,8 @@
           </p:graphicFrame>
         </mc:Fallback>
       </mc:AlternateContent>
-      <mc:AlternateContent xmlns:mc="http://schemas.openxmlformats.org/markup-compatibility/2006">
-        <mc:Choice xmlns:a14="http://schemas.microsoft.com/office/drawing/2010/main" Requires="a14">
+      <mc:AlternateContent xmlns:mc="http://schemas.openxmlformats.org/markup-compatibility/2006" xmlns:a14="http://schemas.microsoft.com/office/drawing/2010/main">
+        <mc:Choice Requires="a14">
           <p:graphicFrame>
             <p:nvGraphicFramePr>
               <p:cNvPr id="18" name="Table 18">
@@ -28167,7 +28171,7 @@
             </a:graphic>
           </p:graphicFrame>
         </mc:Choice>
-        <mc:Fallback>
+        <mc:Fallback xmlns="">
           <p:graphicFrame>
             <p:nvGraphicFramePr>
               <p:cNvPr id="18" name="Table 18">
@@ -28646,13 +28650,13 @@
   <p:clrMapOvr>
     <a:masterClrMapping/>
   </p:clrMapOvr>
-  <mc:AlternateContent xmlns:mc="http://schemas.openxmlformats.org/markup-compatibility/2006">
-    <mc:Choice xmlns:p159="http://schemas.microsoft.com/office/powerpoint/2015/09/main" Requires="p159">
+  <mc:AlternateContent xmlns:mc="http://schemas.openxmlformats.org/markup-compatibility/2006" xmlns:p159="http://schemas.microsoft.com/office/powerpoint/2015/09/main">
+    <mc:Choice Requires="p159">
       <p:transition xmlns:p14="http://schemas.microsoft.com/office/powerpoint/2010/main" spd="slow" p14:dur="2000">
         <p159:morph option="byObject"/>
       </p:transition>
     </mc:Choice>
-    <mc:Fallback>
+    <mc:Fallback xmlns="">
       <p:transition spd="slow">
         <p:fade/>
       </p:transition>
@@ -28704,8 +28708,8 @@
         </p:nvSpPr>
         <p:spPr>
           <a:xfrm>
-            <a:off x="1024128" y="2286000"/>
-            <a:ext cx="4429615" cy="3931920"/>
+            <a:off x="349758" y="2285999"/>
+            <a:ext cx="4429615" cy="4264223"/>
           </a:xfrm>
         </p:spPr>
         <p:txBody>
@@ -28774,7 +28778,20 @@
               <a:rPr lang="pt-PT" b="1" i="1" dirty="0"/>
               <a:t>c.plot()</a:t>
             </a:r>
-            <a:endParaRPr lang="pt-PT" dirty="0"/>
+          </a:p>
+          <a:p>
+            <a:pPr>
+              <a:buFont typeface="Courier New" panose="02070309020205020404" pitchFamily="49" charset="0"/>
+              <a:buChar char="o"/>
+            </a:pPr>
+            <a:r>
+              <a:rPr lang="pt-PT" dirty="0"/>
+              <a:t> </a:t>
+            </a:r>
+            <a:r>
+              <a:rPr lang="pt-PT" b="1" dirty="0"/>
+              <a:t>help(clusterval)</a:t>
+            </a:r>
           </a:p>
         </p:txBody>
       </p:sp>
@@ -28800,8 +28817,8 @@
         </p:blipFill>
         <p:spPr>
           <a:xfrm>
-            <a:off x="5346934" y="1805863"/>
-            <a:ext cx="6204987" cy="3691967"/>
+            <a:off x="4592332" y="1468755"/>
+            <a:ext cx="7530162" cy="4480446"/>
           </a:xfrm>
           <a:prstGeom prst="rect">
             <a:avLst/>
@@ -28900,13 +28917,13 @@
   <p:clrMapOvr>
     <a:masterClrMapping/>
   </p:clrMapOvr>
-  <mc:AlternateContent xmlns:mc="http://schemas.openxmlformats.org/markup-compatibility/2006">
-    <mc:Choice xmlns:p159="http://schemas.microsoft.com/office/powerpoint/2015/09/main" Requires="p159">
+  <mc:AlternateContent xmlns:mc="http://schemas.openxmlformats.org/markup-compatibility/2006" xmlns:p159="http://schemas.microsoft.com/office/powerpoint/2015/09/main">
+    <mc:Choice Requires="p159">
       <p:transition xmlns:p14="http://schemas.microsoft.com/office/powerpoint/2010/main" spd="slow" p14:dur="2000">
         <p159:morph option="byObject"/>
       </p:transition>
     </mc:Choice>
-    <mc:Fallback>
+    <mc:Fallback xmlns="">
       <p:transition spd="slow">
         <p:fade/>
       </p:transition>
@@ -29810,13 +29827,13 @@
   <p:clrMapOvr>
     <a:masterClrMapping/>
   </p:clrMapOvr>
-  <mc:AlternateContent xmlns:mc="http://schemas.openxmlformats.org/markup-compatibility/2006">
-    <mc:Choice xmlns:p159="http://schemas.microsoft.com/office/powerpoint/2015/09/main" Requires="p159">
+  <mc:AlternateContent xmlns:mc="http://schemas.openxmlformats.org/markup-compatibility/2006" xmlns:p159="http://schemas.microsoft.com/office/powerpoint/2015/09/main">
+    <mc:Choice Requires="p159">
       <p:transition xmlns:p14="http://schemas.microsoft.com/office/powerpoint/2010/main" spd="slow" p14:dur="2000">
         <p159:morph option="byObject"/>
       </p:transition>
     </mc:Choice>
-    <mc:Fallback>
+    <mc:Fallback xmlns="">
       <p:transition spd="slow">
         <p:fade/>
       </p:transition>
@@ -30500,6 +30517,17 @@
           </a:bodyPr>
           <a:lstStyle/>
           <a:p>
+            <a:pPr marL="0" indent="0">
+              <a:buNone/>
+            </a:pPr>
+            <a:r>
+              <a:rPr lang="pt-PT" sz="2400" dirty="0">
+                <a:ln w="0"/>
+              </a:rPr>
+              <a:t>The datasets were generated by using the package sklearn make_blobs function</a:t>
+            </a:r>
+          </a:p>
+          <a:p>
             <a:pPr marL="0" indent="0" algn="ctr">
               <a:buNone/>
             </a:pPr>
@@ -30554,7 +30582,7 @@
         </p:nvSpPr>
         <p:spPr>
           <a:xfrm>
-            <a:off x="151447" y="3748279"/>
+            <a:off x="151066" y="4251881"/>
             <a:ext cx="2023110" cy="1005840"/>
           </a:xfrm>
           <a:prstGeom prst="rect">
@@ -30600,7 +30628,7 @@
         </p:nvSpPr>
         <p:spPr>
           <a:xfrm>
-            <a:off x="2613660" y="3748279"/>
+            <a:off x="2607468" y="4251881"/>
             <a:ext cx="2023110" cy="1005840"/>
           </a:xfrm>
           <a:prstGeom prst="rect">
@@ -30646,7 +30674,7 @@
         </p:nvSpPr>
         <p:spPr>
           <a:xfrm>
-            <a:off x="5075873" y="3748279"/>
+            <a:off x="5077348" y="4251881"/>
             <a:ext cx="2023110" cy="1005840"/>
           </a:xfrm>
           <a:prstGeom prst="rect">
@@ -30692,7 +30720,7 @@
         </p:nvSpPr>
         <p:spPr>
           <a:xfrm>
-            <a:off x="7537324" y="3764725"/>
+            <a:off x="7522368" y="4251881"/>
             <a:ext cx="2023110" cy="1005840"/>
           </a:xfrm>
           <a:prstGeom prst="rect">
@@ -30738,7 +30766,7 @@
         </p:nvSpPr>
         <p:spPr>
           <a:xfrm>
-            <a:off x="10000299" y="3748279"/>
+            <a:off x="10015823" y="4251881"/>
             <a:ext cx="2023110" cy="1005840"/>
           </a:xfrm>
           <a:prstGeom prst="rect">
@@ -30784,7 +30812,7 @@
         </p:nvSpPr>
         <p:spPr>
           <a:xfrm>
-            <a:off x="585787" y="3974514"/>
+            <a:off x="585406" y="4460404"/>
             <a:ext cx="1154430" cy="646331"/>
           </a:xfrm>
           <a:prstGeom prst="rect">
@@ -30820,7 +30848,7 @@
         </p:nvSpPr>
         <p:spPr>
           <a:xfrm>
-            <a:off x="2830449" y="4066532"/>
+            <a:off x="2821544" y="4598903"/>
             <a:ext cx="1589532" cy="369332"/>
           </a:xfrm>
           <a:prstGeom prst="rect">
@@ -30856,7 +30884,7 @@
         </p:nvSpPr>
         <p:spPr>
           <a:xfrm>
-            <a:off x="5509451" y="4036812"/>
+            <a:off x="5496685" y="4570135"/>
             <a:ext cx="1154430" cy="369332"/>
           </a:xfrm>
           <a:prstGeom prst="rect">
@@ -30892,8 +30920,8 @@
         </p:nvSpPr>
         <p:spPr>
           <a:xfrm>
-            <a:off x="7971664" y="4082979"/>
-            <a:ext cx="1154430" cy="369332"/>
+            <a:off x="7929037" y="4600163"/>
+            <a:ext cx="1182244" cy="369332"/>
           </a:xfrm>
           <a:prstGeom prst="rect">
             <a:avLst/>
@@ -30928,7 +30956,7 @@
         </p:nvSpPr>
         <p:spPr>
           <a:xfrm>
-            <a:off x="10314148" y="4036812"/>
+            <a:off x="10329672" y="4570135"/>
             <a:ext cx="1395411" cy="369332"/>
           </a:xfrm>
           <a:prstGeom prst="rect">
@@ -31007,13 +31035,13 @@
   <p:clrMapOvr>
     <a:masterClrMapping/>
   </p:clrMapOvr>
-  <mc:AlternateContent xmlns:mc="http://schemas.openxmlformats.org/markup-compatibility/2006">
-    <mc:Choice xmlns:p159="http://schemas.microsoft.com/office/powerpoint/2015/09/main" Requires="p159">
+  <mc:AlternateContent xmlns:mc="http://schemas.openxmlformats.org/markup-compatibility/2006" xmlns:p159="http://schemas.microsoft.com/office/powerpoint/2015/09/main">
+    <mc:Choice Requires="p159">
       <p:transition xmlns:p14="http://schemas.microsoft.com/office/powerpoint/2010/main" spd="slow" p14:dur="2000">
         <p159:morph option="byObject"/>
       </p:transition>
     </mc:Choice>
-    <mc:Fallback>
+    <mc:Fallback xmlns="">
       <p:transition spd="slow">
         <p:fade/>
       </p:transition>
@@ -31090,6 +31118,17 @@
           </a:bodyPr>
           <a:lstStyle/>
           <a:p>
+            <a:pPr marL="0" indent="0">
+              <a:buNone/>
+            </a:pPr>
+            <a:r>
+              <a:rPr lang="pt-PT" sz="2400" dirty="0">
+                <a:ln w="0"/>
+              </a:rPr>
+              <a:t>The datasets were generated by using the package sklearn make_blobs function</a:t>
+            </a:r>
+          </a:p>
+          <a:p>
             <a:pPr marL="0" indent="0" algn="ctr">
               <a:buNone/>
             </a:pPr>
@@ -31144,7 +31183,7 @@
         </p:nvSpPr>
         <p:spPr>
           <a:xfrm>
-            <a:off x="151447" y="3748279"/>
+            <a:off x="151066" y="4251881"/>
             <a:ext cx="2023110" cy="1005840"/>
           </a:xfrm>
           <a:prstGeom prst="rect">
@@ -31190,7 +31229,7 @@
         </p:nvSpPr>
         <p:spPr>
           <a:xfrm>
-            <a:off x="2613660" y="3748279"/>
+            <a:off x="2607468" y="4251881"/>
             <a:ext cx="2023110" cy="1005840"/>
           </a:xfrm>
           <a:prstGeom prst="rect">
@@ -31236,7 +31275,7 @@
         </p:nvSpPr>
         <p:spPr>
           <a:xfrm>
-            <a:off x="5075873" y="3748279"/>
+            <a:off x="5077348" y="4251881"/>
             <a:ext cx="2023110" cy="1005840"/>
           </a:xfrm>
           <a:prstGeom prst="rect">
@@ -31282,7 +31321,7 @@
         </p:nvSpPr>
         <p:spPr>
           <a:xfrm>
-            <a:off x="7537324" y="3764725"/>
+            <a:off x="7522368" y="4251881"/>
             <a:ext cx="2023110" cy="1005840"/>
           </a:xfrm>
           <a:prstGeom prst="rect">
@@ -31328,7 +31367,7 @@
         </p:nvSpPr>
         <p:spPr>
           <a:xfrm>
-            <a:off x="10000299" y="3748279"/>
+            <a:off x="10015823" y="4251881"/>
             <a:ext cx="2023110" cy="1005840"/>
           </a:xfrm>
           <a:prstGeom prst="rect">
@@ -31374,7 +31413,7 @@
         </p:nvSpPr>
         <p:spPr>
           <a:xfrm>
-            <a:off x="585787" y="3974514"/>
+            <a:off x="585406" y="4460404"/>
             <a:ext cx="1154430" cy="646331"/>
           </a:xfrm>
           <a:prstGeom prst="rect">
@@ -31410,7 +31449,7 @@
         </p:nvSpPr>
         <p:spPr>
           <a:xfrm>
-            <a:off x="2830449" y="4066532"/>
+            <a:off x="2821544" y="4598903"/>
             <a:ext cx="1589532" cy="369332"/>
           </a:xfrm>
           <a:prstGeom prst="rect">
@@ -31446,7 +31485,7 @@
         </p:nvSpPr>
         <p:spPr>
           <a:xfrm>
-            <a:off x="5509451" y="4036812"/>
+            <a:off x="5496685" y="4570135"/>
             <a:ext cx="1154430" cy="369332"/>
           </a:xfrm>
           <a:prstGeom prst="rect">
@@ -31482,8 +31521,8 @@
         </p:nvSpPr>
         <p:spPr>
           <a:xfrm>
-            <a:off x="7971664" y="4082979"/>
-            <a:ext cx="1154430" cy="369332"/>
+            <a:off x="7929037" y="4600163"/>
+            <a:ext cx="1182244" cy="369332"/>
           </a:xfrm>
           <a:prstGeom prst="rect">
             <a:avLst/>
@@ -31518,7 +31557,7 @@
         </p:nvSpPr>
         <p:spPr>
           <a:xfrm>
-            <a:off x="10314148" y="4036812"/>
+            <a:off x="10329672" y="4570135"/>
             <a:ext cx="1395411" cy="369332"/>
           </a:xfrm>
           <a:prstGeom prst="rect">
@@ -31540,241 +31579,12 @@
           </a:p>
         </p:txBody>
       </p:sp>
-      <p:sp>
-        <p:nvSpPr>
-          <p:cNvPr id="4" name="TextBox 3">
+      <p:pic>
+        <p:nvPicPr>
+          <p:cNvPr id="20" name="Picture 2" descr="Resultado de imagem para tecnico logo png">
             <a:extLst>
               <a:ext uri="{FF2B5EF4-FFF2-40B4-BE49-F238E27FC236}">
-                <a16:creationId xmlns:a16="http://schemas.microsoft.com/office/drawing/2014/main" id="{17AA21E6-9917-472C-B405-F903312ADA99}"/>
-              </a:ext>
-            </a:extLst>
-          </p:cNvPr>
-          <p:cNvSpPr txBox="1"/>
-          <p:nvPr/>
-        </p:nvSpPr>
-        <p:spPr>
-          <a:xfrm>
-            <a:off x="151447" y="5025390"/>
-            <a:ext cx="2023110" cy="923330"/>
-          </a:xfrm>
-          <a:prstGeom prst="rect">
-            <a:avLst/>
-          </a:prstGeom>
-          <a:noFill/>
-        </p:spPr>
-        <p:txBody>
-          <a:bodyPr wrap="square" rtlCol="0">
-            <a:spAutoFit/>
-          </a:bodyPr>
-          <a:lstStyle/>
-          <a:p>
-            <a:pPr algn="ctr"/>
-            <a:r>
-              <a:rPr lang="pt-PT" dirty="0"/>
-              <a:t>NC=2</a:t>
-            </a:r>
-          </a:p>
-          <a:p>
-            <a:pPr algn="ctr"/>
-            <a:r>
-              <a:rPr lang="pt-PT" dirty="0"/>
-              <a:t>NC=4</a:t>
-            </a:r>
-          </a:p>
-          <a:p>
-            <a:pPr algn="ctr"/>
-            <a:r>
-              <a:rPr lang="pt-PT" dirty="0"/>
-              <a:t>NC=8</a:t>
-            </a:r>
-          </a:p>
-        </p:txBody>
-      </p:sp>
-      <p:sp>
-        <p:nvSpPr>
-          <p:cNvPr id="19" name="TextBox 18">
-            <a:extLst>
-              <a:ext uri="{FF2B5EF4-FFF2-40B4-BE49-F238E27FC236}">
-                <a16:creationId xmlns:a16="http://schemas.microsoft.com/office/drawing/2014/main" id="{54458791-4A00-4A96-B30B-FF906F3F5A68}"/>
-              </a:ext>
-            </a:extLst>
-          </p:cNvPr>
-          <p:cNvSpPr txBox="1"/>
-          <p:nvPr/>
-        </p:nvSpPr>
-        <p:spPr>
-          <a:xfrm>
-            <a:off x="2611374" y="4948809"/>
-            <a:ext cx="2023110" cy="923330"/>
-          </a:xfrm>
-          <a:prstGeom prst="rect">
-            <a:avLst/>
-          </a:prstGeom>
-          <a:noFill/>
-        </p:spPr>
-        <p:txBody>
-          <a:bodyPr wrap="square" rtlCol="0">
-            <a:spAutoFit/>
-          </a:bodyPr>
-          <a:lstStyle/>
-          <a:p>
-            <a:pPr algn="ctr"/>
-            <a:r>
-              <a:rPr lang="pt-PT" dirty="0"/>
-              <a:t>Dim=2</a:t>
-            </a:r>
-          </a:p>
-          <a:p>
-            <a:pPr algn="ctr"/>
-            <a:r>
-              <a:rPr lang="pt-PT" dirty="0"/>
-              <a:t>Dim=4</a:t>
-            </a:r>
-          </a:p>
-          <a:p>
-            <a:pPr algn="ctr"/>
-            <a:r>
-              <a:rPr lang="pt-PT" dirty="0"/>
-              <a:t>Dim=8</a:t>
-            </a:r>
-          </a:p>
-        </p:txBody>
-      </p:sp>
-      <p:sp>
-        <p:nvSpPr>
-          <p:cNvPr id="20" name="TextBox 19">
-            <a:extLst>
-              <a:ext uri="{FF2B5EF4-FFF2-40B4-BE49-F238E27FC236}">
-                <a16:creationId xmlns:a16="http://schemas.microsoft.com/office/drawing/2014/main" id="{D10D844F-612B-4192-BA9A-6FCE8E7B2198}"/>
-              </a:ext>
-            </a:extLst>
-          </p:cNvPr>
-          <p:cNvSpPr txBox="1"/>
-          <p:nvPr/>
-        </p:nvSpPr>
-        <p:spPr>
-          <a:xfrm>
-            <a:off x="5074349" y="4994910"/>
-            <a:ext cx="2023110" cy="646331"/>
-          </a:xfrm>
-          <a:prstGeom prst="rect">
-            <a:avLst/>
-          </a:prstGeom>
-          <a:noFill/>
-        </p:spPr>
-        <p:txBody>
-          <a:bodyPr wrap="square" rtlCol="0">
-            <a:spAutoFit/>
-          </a:bodyPr>
-          <a:lstStyle/>
-          <a:p>
-            <a:pPr algn="ctr"/>
-            <a:r>
-              <a:rPr lang="pt-PT" dirty="0"/>
-              <a:t>   Noise=0.0</a:t>
-            </a:r>
-          </a:p>
-          <a:p>
-            <a:pPr algn="ctr"/>
-            <a:r>
-              <a:rPr lang="pt-PT" dirty="0"/>
-              <a:t>   Noise=0.1</a:t>
-            </a:r>
-          </a:p>
-        </p:txBody>
-      </p:sp>
-      <p:sp>
-        <p:nvSpPr>
-          <p:cNvPr id="21" name="TextBox 20">
-            <a:extLst>
-              <a:ext uri="{FF2B5EF4-FFF2-40B4-BE49-F238E27FC236}">
-                <a16:creationId xmlns:a16="http://schemas.microsoft.com/office/drawing/2014/main" id="{3761BAA6-72A5-4756-A1ED-CC15B1F437BD}"/>
-              </a:ext>
-            </a:extLst>
-          </p:cNvPr>
-          <p:cNvSpPr txBox="1"/>
-          <p:nvPr/>
-        </p:nvSpPr>
-        <p:spPr>
-          <a:xfrm>
-            <a:off x="7537324" y="4994910"/>
-            <a:ext cx="2023110" cy="646331"/>
-          </a:xfrm>
-          <a:prstGeom prst="rect">
-            <a:avLst/>
-          </a:prstGeom>
-          <a:noFill/>
-        </p:spPr>
-        <p:txBody>
-          <a:bodyPr wrap="square" rtlCol="0">
-            <a:spAutoFit/>
-          </a:bodyPr>
-          <a:lstStyle/>
-          <a:p>
-            <a:pPr algn="ctr"/>
-            <a:r>
-              <a:rPr lang="pt-PT" dirty="0"/>
-              <a:t>Dens=1</a:t>
-            </a:r>
-          </a:p>
-          <a:p>
-            <a:pPr algn="ctr"/>
-            <a:r>
-              <a:rPr lang="pt-PT" dirty="0"/>
-              <a:t>Dens=4</a:t>
-            </a:r>
-          </a:p>
-        </p:txBody>
-      </p:sp>
-      <p:sp>
-        <p:nvSpPr>
-          <p:cNvPr id="22" name="TextBox 21">
-            <a:extLst>
-              <a:ext uri="{FF2B5EF4-FFF2-40B4-BE49-F238E27FC236}">
-                <a16:creationId xmlns:a16="http://schemas.microsoft.com/office/drawing/2014/main" id="{A2C89942-CF51-4920-A84C-4FA263236289}"/>
-              </a:ext>
-            </a:extLst>
-          </p:cNvPr>
-          <p:cNvSpPr txBox="1"/>
-          <p:nvPr/>
-        </p:nvSpPr>
-        <p:spPr>
-          <a:xfrm>
-            <a:off x="10000299" y="5025390"/>
-            <a:ext cx="2023110" cy="646331"/>
-          </a:xfrm>
-          <a:prstGeom prst="rect">
-            <a:avLst/>
-          </a:prstGeom>
-          <a:noFill/>
-        </p:spPr>
-        <p:txBody>
-          <a:bodyPr wrap="square" rtlCol="0">
-            <a:spAutoFit/>
-          </a:bodyPr>
-          <a:lstStyle/>
-          <a:p>
-            <a:pPr algn="ctr"/>
-            <a:r>
-              <a:rPr lang="pt-PT" dirty="0"/>
-              <a:t>Overlap=1.5</a:t>
-            </a:r>
-          </a:p>
-          <a:p>
-            <a:pPr algn="ctr"/>
-            <a:r>
-              <a:rPr lang="pt-PT" dirty="0"/>
-              <a:t>Overlap=5.0</a:t>
-            </a:r>
-          </a:p>
-        </p:txBody>
-      </p:sp>
-      <p:pic>
-        <p:nvPicPr>
-          <p:cNvPr id="24" name="Picture 2" descr="Resultado de imagem para tecnico logo png">
-            <a:extLst>
-              <a:ext uri="{FF2B5EF4-FFF2-40B4-BE49-F238E27FC236}">
-                <a16:creationId xmlns:a16="http://schemas.microsoft.com/office/drawing/2014/main" id="{6B613BC1-CD6A-48EF-9FF7-7CB7066400F3}"/>
+                <a16:creationId xmlns:a16="http://schemas.microsoft.com/office/drawing/2014/main" id="{0C8A1465-31BA-48EC-A92F-528B404C5849}"/>
               </a:ext>
             </a:extLst>
           </p:cNvPr>
@@ -31816,10 +31626,239 @@
           </a:extLst>
         </p:spPr>
       </p:pic>
+      <p:sp>
+        <p:nvSpPr>
+          <p:cNvPr id="19" name="TextBox 18">
+            <a:extLst>
+              <a:ext uri="{FF2B5EF4-FFF2-40B4-BE49-F238E27FC236}">
+                <a16:creationId xmlns:a16="http://schemas.microsoft.com/office/drawing/2014/main" id="{4BB3A1EE-1C3A-4E46-9DBE-F1E3F8D94F75}"/>
+              </a:ext>
+            </a:extLst>
+          </p:cNvPr>
+          <p:cNvSpPr txBox="1"/>
+          <p:nvPr/>
+        </p:nvSpPr>
+        <p:spPr>
+          <a:xfrm>
+            <a:off x="151066" y="5466244"/>
+            <a:ext cx="2023110" cy="923330"/>
+          </a:xfrm>
+          <a:prstGeom prst="rect">
+            <a:avLst/>
+          </a:prstGeom>
+          <a:noFill/>
+        </p:spPr>
+        <p:txBody>
+          <a:bodyPr wrap="square" rtlCol="0">
+            <a:spAutoFit/>
+          </a:bodyPr>
+          <a:lstStyle/>
+          <a:p>
+            <a:pPr algn="ctr"/>
+            <a:r>
+              <a:rPr lang="pt-PT" dirty="0"/>
+              <a:t>NC=2</a:t>
+            </a:r>
+          </a:p>
+          <a:p>
+            <a:pPr algn="ctr"/>
+            <a:r>
+              <a:rPr lang="pt-PT" dirty="0"/>
+              <a:t>NC=4</a:t>
+            </a:r>
+          </a:p>
+          <a:p>
+            <a:pPr algn="ctr"/>
+            <a:r>
+              <a:rPr lang="pt-PT" dirty="0"/>
+              <a:t>NC=8</a:t>
+            </a:r>
+          </a:p>
+        </p:txBody>
+      </p:sp>
+      <p:sp>
+        <p:nvSpPr>
+          <p:cNvPr id="21" name="TextBox 20">
+            <a:extLst>
+              <a:ext uri="{FF2B5EF4-FFF2-40B4-BE49-F238E27FC236}">
+                <a16:creationId xmlns:a16="http://schemas.microsoft.com/office/drawing/2014/main" id="{E93BAA57-2CD2-46B5-ADD9-06AD25F3AF32}"/>
+              </a:ext>
+            </a:extLst>
+          </p:cNvPr>
+          <p:cNvSpPr txBox="1"/>
+          <p:nvPr/>
+        </p:nvSpPr>
+        <p:spPr>
+          <a:xfrm>
+            <a:off x="2604755" y="5466244"/>
+            <a:ext cx="2023110" cy="923330"/>
+          </a:xfrm>
+          <a:prstGeom prst="rect">
+            <a:avLst/>
+          </a:prstGeom>
+          <a:noFill/>
+        </p:spPr>
+        <p:txBody>
+          <a:bodyPr wrap="square" rtlCol="0">
+            <a:spAutoFit/>
+          </a:bodyPr>
+          <a:lstStyle/>
+          <a:p>
+            <a:pPr algn="ctr"/>
+            <a:r>
+              <a:rPr lang="pt-PT" dirty="0"/>
+              <a:t>Dim=2</a:t>
+            </a:r>
+          </a:p>
+          <a:p>
+            <a:pPr algn="ctr"/>
+            <a:r>
+              <a:rPr lang="pt-PT" dirty="0"/>
+              <a:t>Dim=4</a:t>
+            </a:r>
+          </a:p>
+          <a:p>
+            <a:pPr algn="ctr"/>
+            <a:r>
+              <a:rPr lang="pt-PT" dirty="0"/>
+              <a:t>Dim=8</a:t>
+            </a:r>
+          </a:p>
+        </p:txBody>
+      </p:sp>
+      <p:sp>
+        <p:nvSpPr>
+          <p:cNvPr id="22" name="TextBox 21">
+            <a:extLst>
+              <a:ext uri="{FF2B5EF4-FFF2-40B4-BE49-F238E27FC236}">
+                <a16:creationId xmlns:a16="http://schemas.microsoft.com/office/drawing/2014/main" id="{605F0323-6C17-4356-A14C-23977CC24C2A}"/>
+              </a:ext>
+            </a:extLst>
+          </p:cNvPr>
+          <p:cNvSpPr txBox="1"/>
+          <p:nvPr/>
+        </p:nvSpPr>
+        <p:spPr>
+          <a:xfrm>
+            <a:off x="5084445" y="5498991"/>
+            <a:ext cx="2023110" cy="646331"/>
+          </a:xfrm>
+          <a:prstGeom prst="rect">
+            <a:avLst/>
+          </a:prstGeom>
+          <a:noFill/>
+        </p:spPr>
+        <p:txBody>
+          <a:bodyPr wrap="square" rtlCol="0">
+            <a:spAutoFit/>
+          </a:bodyPr>
+          <a:lstStyle/>
+          <a:p>
+            <a:pPr algn="ctr"/>
+            <a:r>
+              <a:rPr lang="pt-PT" dirty="0"/>
+              <a:t>   Noise=0.0</a:t>
+            </a:r>
+          </a:p>
+          <a:p>
+            <a:pPr algn="ctr"/>
+            <a:r>
+              <a:rPr lang="pt-PT" dirty="0"/>
+              <a:t>   Noise=0.1</a:t>
+            </a:r>
+          </a:p>
+        </p:txBody>
+      </p:sp>
+      <p:sp>
+        <p:nvSpPr>
+          <p:cNvPr id="23" name="TextBox 22">
+            <a:extLst>
+              <a:ext uri="{FF2B5EF4-FFF2-40B4-BE49-F238E27FC236}">
+                <a16:creationId xmlns:a16="http://schemas.microsoft.com/office/drawing/2014/main" id="{4973B7ED-8721-46E5-9A91-51B3AFC4C9D0}"/>
+              </a:ext>
+            </a:extLst>
+          </p:cNvPr>
+          <p:cNvSpPr txBox="1"/>
+          <p:nvPr/>
+        </p:nvSpPr>
+        <p:spPr>
+          <a:xfrm>
+            <a:off x="7546277" y="5466244"/>
+            <a:ext cx="2023110" cy="646331"/>
+          </a:xfrm>
+          <a:prstGeom prst="rect">
+            <a:avLst/>
+          </a:prstGeom>
+          <a:noFill/>
+        </p:spPr>
+        <p:txBody>
+          <a:bodyPr wrap="square" rtlCol="0">
+            <a:spAutoFit/>
+          </a:bodyPr>
+          <a:lstStyle/>
+          <a:p>
+            <a:pPr algn="ctr"/>
+            <a:r>
+              <a:rPr lang="pt-PT" dirty="0"/>
+              <a:t>Dens=1</a:t>
+            </a:r>
+          </a:p>
+          <a:p>
+            <a:pPr algn="ctr"/>
+            <a:r>
+              <a:rPr lang="pt-PT" dirty="0"/>
+              <a:t>Dens=4</a:t>
+            </a:r>
+          </a:p>
+        </p:txBody>
+      </p:sp>
+      <p:sp>
+        <p:nvSpPr>
+          <p:cNvPr id="24" name="TextBox 23">
+            <a:extLst>
+              <a:ext uri="{FF2B5EF4-FFF2-40B4-BE49-F238E27FC236}">
+                <a16:creationId xmlns:a16="http://schemas.microsoft.com/office/drawing/2014/main" id="{B97CC819-C1F0-4A15-B25A-FFAA4B8D088D}"/>
+              </a:ext>
+            </a:extLst>
+          </p:cNvPr>
+          <p:cNvSpPr txBox="1"/>
+          <p:nvPr/>
+        </p:nvSpPr>
+        <p:spPr>
+          <a:xfrm>
+            <a:off x="10008109" y="5458889"/>
+            <a:ext cx="2023110" cy="646331"/>
+          </a:xfrm>
+          <a:prstGeom prst="rect">
+            <a:avLst/>
+          </a:prstGeom>
+          <a:noFill/>
+        </p:spPr>
+        <p:txBody>
+          <a:bodyPr wrap="square" rtlCol="0">
+            <a:spAutoFit/>
+          </a:bodyPr>
+          <a:lstStyle/>
+          <a:p>
+            <a:pPr algn="ctr"/>
+            <a:r>
+              <a:rPr lang="pt-PT" dirty="0"/>
+              <a:t>Overlap=1.5</a:t>
+            </a:r>
+          </a:p>
+          <a:p>
+            <a:pPr algn="ctr"/>
+            <a:r>
+              <a:rPr lang="pt-PT" dirty="0"/>
+              <a:t>Overlap=5.0</a:t>
+            </a:r>
+          </a:p>
+        </p:txBody>
+      </p:sp>
     </p:spTree>
     <p:extLst>
       <p:ext uri="{BB962C8B-B14F-4D97-AF65-F5344CB8AC3E}">
-        <p14:creationId xmlns:p14="http://schemas.microsoft.com/office/powerpoint/2010/main" val="959117234"/>
+        <p14:creationId xmlns:p14="http://schemas.microsoft.com/office/powerpoint/2010/main" val="3156094635"/>
       </p:ext>
     </p:extLst>
   </p:cSld>
@@ -32077,13 +32116,13 @@
   <p:clrMapOvr>
     <a:masterClrMapping/>
   </p:clrMapOvr>
-  <mc:AlternateContent xmlns:mc="http://schemas.openxmlformats.org/markup-compatibility/2006">
-    <mc:Choice xmlns:p159="http://schemas.microsoft.com/office/powerpoint/2015/09/main" Requires="p159">
+  <mc:AlternateContent xmlns:mc="http://schemas.openxmlformats.org/markup-compatibility/2006" xmlns:p159="http://schemas.microsoft.com/office/powerpoint/2015/09/main">
+    <mc:Choice Requires="p159">
       <p:transition xmlns:p14="http://schemas.microsoft.com/office/powerpoint/2010/main" spd="slow" p14:dur="2000">
         <p159:morph option="byObject"/>
       </p:transition>
     </mc:Choice>
-    <mc:Fallback>
+    <mc:Fallback xmlns="">
       <p:transition spd="slow">
         <p:fade/>
       </p:transition>
@@ -32264,7 +32303,7 @@
         </p:blipFill>
         <p:spPr>
           <a:xfrm>
-            <a:off x="5337055" y="4624782"/>
+            <a:off x="5462785" y="4555057"/>
             <a:ext cx="4371143" cy="2287573"/>
           </a:xfrm>
           <a:prstGeom prst="rect">
@@ -32329,13 +32368,13 @@
   <p:clrMapOvr>
     <a:masterClrMapping/>
   </p:clrMapOvr>
-  <mc:AlternateContent xmlns:mc="http://schemas.openxmlformats.org/markup-compatibility/2006">
-    <mc:Choice xmlns:p159="http://schemas.microsoft.com/office/powerpoint/2015/09/main" Requires="p159">
+  <mc:AlternateContent xmlns:mc="http://schemas.openxmlformats.org/markup-compatibility/2006" xmlns:p159="http://schemas.microsoft.com/office/powerpoint/2015/09/main">
+    <mc:Choice Requires="p159">
       <p:transition xmlns:p14="http://schemas.microsoft.com/office/powerpoint/2010/main" spd="slow" p14:dur="2000">
         <p159:morph option="byObject"/>
       </p:transition>
     </mc:Choice>
-    <mc:Fallback>
+    <mc:Fallback xmlns="">
       <p:transition spd="slow">
         <p:fade/>
       </p:transition>
@@ -32550,13 +32589,13 @@
   <p:clrMapOvr>
     <a:masterClrMapping/>
   </p:clrMapOvr>
-  <mc:AlternateContent xmlns:mc="http://schemas.openxmlformats.org/markup-compatibility/2006">
-    <mc:Choice xmlns:p159="http://schemas.microsoft.com/office/powerpoint/2015/09/main" Requires="p159">
+  <mc:AlternateContent xmlns:mc="http://schemas.openxmlformats.org/markup-compatibility/2006" xmlns:p159="http://schemas.microsoft.com/office/powerpoint/2015/09/main">
+    <mc:Choice Requires="p159">
       <p:transition xmlns:p14="http://schemas.microsoft.com/office/powerpoint/2010/main" spd="slow" p14:dur="2000">
         <p159:morph option="byObject"/>
       </p:transition>
     </mc:Choice>
-    <mc:Fallback>
+    <mc:Fallback xmlns="">
       <p:transition spd="slow">
         <p:fade/>
       </p:transition>
@@ -33772,13 +33811,13 @@
   <p:clrMapOvr>
     <a:masterClrMapping/>
   </p:clrMapOvr>
-  <mc:AlternateContent xmlns:mc="http://schemas.openxmlformats.org/markup-compatibility/2006">
-    <mc:Choice xmlns:p159="http://schemas.microsoft.com/office/powerpoint/2015/09/main" Requires="p159">
+  <mc:AlternateContent xmlns:mc="http://schemas.openxmlformats.org/markup-compatibility/2006" xmlns:p159="http://schemas.microsoft.com/office/powerpoint/2015/09/main">
+    <mc:Choice Requires="p159">
       <p:transition xmlns:p14="http://schemas.microsoft.com/office/powerpoint/2010/main" spd="slow" p14:dur="2000">
         <p159:morph option="byObject"/>
       </p:transition>
     </mc:Choice>
-    <mc:Fallback>
+    <mc:Fallback xmlns="">
       <p:transition spd="slow">
         <p:fade/>
       </p:transition>
@@ -34713,13 +34752,13 @@
   <p:clrMapOvr>
     <a:masterClrMapping/>
   </p:clrMapOvr>
-  <mc:AlternateContent xmlns:mc="http://schemas.openxmlformats.org/markup-compatibility/2006">
-    <mc:Choice xmlns:p159="http://schemas.microsoft.com/office/powerpoint/2015/09/main" Requires="p159">
+  <mc:AlternateContent xmlns:mc="http://schemas.openxmlformats.org/markup-compatibility/2006" xmlns:p159="http://schemas.microsoft.com/office/powerpoint/2015/09/main">
+    <mc:Choice Requires="p159">
       <p:transition xmlns:p14="http://schemas.microsoft.com/office/powerpoint/2010/main" spd="slow" p14:dur="2000">
         <p159:morph option="byObject"/>
       </p:transition>
     </mc:Choice>
-    <mc:Fallback>
+    <mc:Fallback xmlns="">
       <p:transition spd="slow">
         <p:fade/>
       </p:transition>
@@ -35695,13 +35734,13 @@
   <p:clrMapOvr>
     <a:masterClrMapping/>
   </p:clrMapOvr>
-  <mc:AlternateContent xmlns:mc="http://schemas.openxmlformats.org/markup-compatibility/2006">
-    <mc:Choice xmlns:p159="http://schemas.microsoft.com/office/powerpoint/2015/09/main" Requires="p159">
+  <mc:AlternateContent xmlns:mc="http://schemas.openxmlformats.org/markup-compatibility/2006" xmlns:p159="http://schemas.microsoft.com/office/powerpoint/2015/09/main">
+    <mc:Choice Requires="p159">
       <p:transition xmlns:p14="http://schemas.microsoft.com/office/powerpoint/2010/main" spd="slow" p14:dur="2000">
         <p159:morph option="byObject"/>
       </p:transition>
     </mc:Choice>
-    <mc:Fallback>
+    <mc:Fallback xmlns="">
       <p:transition spd="slow">
         <p:fade/>
       </p:transition>
@@ -36192,13 +36231,13 @@
   <p:clrMapOvr>
     <a:masterClrMapping/>
   </p:clrMapOvr>
-  <mc:AlternateContent xmlns:mc="http://schemas.openxmlformats.org/markup-compatibility/2006">
-    <mc:Choice xmlns:p159="http://schemas.microsoft.com/office/powerpoint/2015/09/main" Requires="p159">
+  <mc:AlternateContent xmlns:mc="http://schemas.openxmlformats.org/markup-compatibility/2006" xmlns:p159="http://schemas.microsoft.com/office/powerpoint/2015/09/main">
+    <mc:Choice Requires="p159">
       <p:transition xmlns:p14="http://schemas.microsoft.com/office/powerpoint/2010/main" spd="slow" p14:dur="2000">
         <p159:morph option="byObject"/>
       </p:transition>
     </mc:Choice>
-    <mc:Fallback>
+    <mc:Fallback xmlns="">
       <p:transition spd="slow">
         <p:fade/>
       </p:transition>
@@ -36504,13 +36543,13 @@
   <p:clrMapOvr>
     <a:masterClrMapping/>
   </p:clrMapOvr>
-  <mc:AlternateContent xmlns:mc="http://schemas.openxmlformats.org/markup-compatibility/2006">
-    <mc:Choice xmlns:p159="http://schemas.microsoft.com/office/powerpoint/2015/09/main" Requires="p159">
+  <mc:AlternateContent xmlns:mc="http://schemas.openxmlformats.org/markup-compatibility/2006" xmlns:p159="http://schemas.microsoft.com/office/powerpoint/2015/09/main">
+    <mc:Choice Requires="p159">
       <p:transition xmlns:p14="http://schemas.microsoft.com/office/powerpoint/2010/main" spd="slow" p14:dur="2000">
         <p159:morph option="byObject"/>
       </p:transition>
     </mc:Choice>
-    <mc:Fallback>
+    <mc:Fallback xmlns="">
       <p:transition spd="slow">
         <p:fade/>
       </p:transition>
@@ -36687,13 +36726,13 @@
   <p:clrMapOvr>
     <a:masterClrMapping/>
   </p:clrMapOvr>
-  <mc:AlternateContent xmlns:mc="http://schemas.openxmlformats.org/markup-compatibility/2006">
-    <mc:Choice xmlns:p159="http://schemas.microsoft.com/office/powerpoint/2015/09/main" Requires="p159">
+  <mc:AlternateContent xmlns:mc="http://schemas.openxmlformats.org/markup-compatibility/2006" xmlns:p159="http://schemas.microsoft.com/office/powerpoint/2015/09/main">
+    <mc:Choice Requires="p159">
       <p:transition xmlns:p14="http://schemas.microsoft.com/office/powerpoint/2010/main" spd="slow" p14:dur="2000">
         <p159:morph option="byObject"/>
       </p:transition>
     </mc:Choice>
-    <mc:Fallback>
+    <mc:Fallback xmlns="">
       <p:transition spd="slow">
         <p:fade/>
       </p:transition>
@@ -37222,13 +37261,13 @@
   <p:clrMapOvr>
     <a:masterClrMapping/>
   </p:clrMapOvr>
-  <mc:AlternateContent xmlns:mc="http://schemas.openxmlformats.org/markup-compatibility/2006">
-    <mc:Choice xmlns:p159="http://schemas.microsoft.com/office/powerpoint/2015/09/main" Requires="p159">
+  <mc:AlternateContent xmlns:mc="http://schemas.openxmlformats.org/markup-compatibility/2006" xmlns:p159="http://schemas.microsoft.com/office/powerpoint/2015/09/main">
+    <mc:Choice Requires="p159">
       <p:transition xmlns:p14="http://schemas.microsoft.com/office/powerpoint/2010/main" spd="slow" p14:dur="2000">
         <p159:morph option="byObject"/>
       </p:transition>
     </mc:Choice>
-    <mc:Fallback>
+    <mc:Fallback xmlns="">
       <p:transition spd="slow">
         <p:fade/>
       </p:transition>
@@ -38034,36 +38073,6 @@
           </a:prstGeom>
         </p:spPr>
       </p:pic>
-      <p:pic>
-        <p:nvPicPr>
-          <p:cNvPr id="10" name="Picture 9" descr="Graphical user interface, application&#10;&#10;Description automatically generated with medium confidence">
-            <a:extLst>
-              <a:ext uri="{FF2B5EF4-FFF2-40B4-BE49-F238E27FC236}">
-                <a16:creationId xmlns:a16="http://schemas.microsoft.com/office/drawing/2014/main" id="{201B902F-6CD1-446F-A02E-972E9C8EC7FB}"/>
-              </a:ext>
-            </a:extLst>
-          </p:cNvPr>
-          <p:cNvPicPr>
-            <a:picLocks noChangeAspect="1"/>
-          </p:cNvPicPr>
-          <p:nvPr/>
-        </p:nvPicPr>
-        <p:blipFill>
-          <a:blip r:embed="rId4"/>
-          <a:stretch>
-            <a:fillRect/>
-          </a:stretch>
-        </p:blipFill>
-        <p:spPr>
-          <a:xfrm>
-            <a:off x="6154270" y="4297680"/>
-            <a:ext cx="5827622" cy="1544320"/>
-          </a:xfrm>
-          <a:prstGeom prst="rect">
-            <a:avLst/>
-          </a:prstGeom>
-        </p:spPr>
-      </p:pic>
       <p:sp>
         <p:nvSpPr>
           <p:cNvPr id="9" name="Content Placeholder 8">
@@ -38135,7 +38144,7 @@
           <p:nvPr/>
         </p:nvPicPr>
         <p:blipFill>
-          <a:blip r:embed="rId5">
+          <a:blip r:embed="rId4">
             <a:extLst>
               <a:ext uri="{28A0092B-C50C-407E-A947-70E740481C1C}">
                 <a14:useLocalDpi xmlns:a14="http://schemas.microsoft.com/office/drawing/2010/main" val="0"/>
@@ -38177,13 +38186,13 @@
   <p:clrMapOvr>
     <a:masterClrMapping/>
   </p:clrMapOvr>
-  <mc:AlternateContent xmlns:mc="http://schemas.openxmlformats.org/markup-compatibility/2006">
-    <mc:Choice xmlns:p159="http://schemas.microsoft.com/office/powerpoint/2015/09/main" Requires="p159">
+  <mc:AlternateContent xmlns:mc="http://schemas.openxmlformats.org/markup-compatibility/2006" xmlns:p159="http://schemas.microsoft.com/office/powerpoint/2015/09/main">
+    <mc:Choice Requires="p159">
       <p:transition xmlns:p14="http://schemas.microsoft.com/office/powerpoint/2010/main" spd="slow" p14:dur="2000">
         <p159:morph option="byObject"/>
       </p:transition>
     </mc:Choice>
-    <mc:Fallback>
+    <mc:Fallback xmlns="">
       <p:transition spd="slow">
         <p:fade/>
       </p:transition>
@@ -38458,13 +38467,13 @@
   <p:clrMapOvr>
     <a:masterClrMapping/>
   </p:clrMapOvr>
-  <mc:AlternateContent xmlns:mc="http://schemas.openxmlformats.org/markup-compatibility/2006">
-    <mc:Choice xmlns:p159="http://schemas.microsoft.com/office/powerpoint/2015/09/main" Requires="p159">
+  <mc:AlternateContent xmlns:mc="http://schemas.openxmlformats.org/markup-compatibility/2006" xmlns:p159="http://schemas.microsoft.com/office/powerpoint/2015/09/main">
+    <mc:Choice Requires="p159">
       <p:transition xmlns:p14="http://schemas.microsoft.com/office/powerpoint/2010/main" spd="slow" p14:dur="2000">
         <p159:morph option="byObject"/>
       </p:transition>
     </mc:Choice>
-    <mc:Fallback>
+    <mc:Fallback xmlns="">
       <p:transition spd="slow">
         <p:fade/>
       </p:transition>
@@ -38736,13 +38745,13 @@
   <p:clrMapOvr>
     <a:masterClrMapping/>
   </p:clrMapOvr>
-  <mc:AlternateContent xmlns:mc="http://schemas.openxmlformats.org/markup-compatibility/2006">
-    <mc:Choice xmlns:p159="http://schemas.microsoft.com/office/powerpoint/2015/09/main" Requires="p159">
+  <mc:AlternateContent xmlns:mc="http://schemas.openxmlformats.org/markup-compatibility/2006" xmlns:p159="http://schemas.microsoft.com/office/powerpoint/2015/09/main">
+    <mc:Choice Requires="p159">
       <p:transition xmlns:p14="http://schemas.microsoft.com/office/powerpoint/2010/main" spd="slow" p14:dur="2000">
         <p159:morph option="byObject"/>
       </p:transition>
     </mc:Choice>
-    <mc:Fallback>
+    <mc:Fallback xmlns="">
       <p:transition spd="slow">
         <p:fade/>
       </p:transition>
@@ -39017,13 +39026,13 @@
   <p:clrMapOvr>
     <a:masterClrMapping/>
   </p:clrMapOvr>
-  <mc:AlternateContent xmlns:mc="http://schemas.openxmlformats.org/markup-compatibility/2006">
-    <mc:Choice xmlns:p159="http://schemas.microsoft.com/office/powerpoint/2015/09/main" Requires="p159">
+  <mc:AlternateContent xmlns:mc="http://schemas.openxmlformats.org/markup-compatibility/2006" xmlns:p159="http://schemas.microsoft.com/office/powerpoint/2015/09/main">
+    <mc:Choice Requires="p159">
       <p:transition xmlns:p14="http://schemas.microsoft.com/office/powerpoint/2010/main" spd="slow" p14:dur="2000">
         <p159:morph option="byObject"/>
       </p:transition>
     </mc:Choice>
-    <mc:Fallback>
+    <mc:Fallback xmlns="">
       <p:transition spd="slow">
         <p:fade/>
       </p:transition>
@@ -39359,13 +39368,13 @@
   <p:clrMapOvr>
     <a:masterClrMapping/>
   </p:clrMapOvr>
-  <mc:AlternateContent xmlns:mc="http://schemas.openxmlformats.org/markup-compatibility/2006">
-    <mc:Choice xmlns:p159="http://schemas.microsoft.com/office/powerpoint/2015/09/main" Requires="p159">
+  <mc:AlternateContent xmlns:mc="http://schemas.openxmlformats.org/markup-compatibility/2006" xmlns:p159="http://schemas.microsoft.com/office/powerpoint/2015/09/main">
+    <mc:Choice Requires="p159">
       <p:transition xmlns:p14="http://schemas.microsoft.com/office/powerpoint/2010/main" spd="slow" p14:dur="2000">
         <p159:morph option="byObject"/>
       </p:transition>
     </mc:Choice>
-    <mc:Fallback>
+    <mc:Fallback xmlns="">
       <p:transition spd="slow">
         <p:fade/>
       </p:transition>
@@ -39637,13 +39646,13 @@
   <p:clrMapOvr>
     <a:masterClrMapping/>
   </p:clrMapOvr>
-  <mc:AlternateContent xmlns:mc="http://schemas.openxmlformats.org/markup-compatibility/2006">
-    <mc:Choice xmlns:p159="http://schemas.microsoft.com/office/powerpoint/2015/09/main" Requires="p159">
+  <mc:AlternateContent xmlns:mc="http://schemas.openxmlformats.org/markup-compatibility/2006" xmlns:p159="http://schemas.microsoft.com/office/powerpoint/2015/09/main">
+    <mc:Choice Requires="p159">
       <p:transition xmlns:p14="http://schemas.microsoft.com/office/powerpoint/2010/main" spd="slow" p14:dur="2000">
         <p159:morph option="byObject"/>
       </p:transition>
     </mc:Choice>
-    <mc:Fallback>
+    <mc:Fallback xmlns="">
       <p:transition spd="slow">
         <p:fade/>
       </p:transition>
@@ -39886,13 +39895,13 @@
   <p:clrMapOvr>
     <a:masterClrMapping/>
   </p:clrMapOvr>
-  <mc:AlternateContent xmlns:mc="http://schemas.openxmlformats.org/markup-compatibility/2006">
-    <mc:Choice xmlns:p159="http://schemas.microsoft.com/office/powerpoint/2015/09/main" Requires="p159">
+  <mc:AlternateContent xmlns:mc="http://schemas.openxmlformats.org/markup-compatibility/2006" xmlns:p159="http://schemas.microsoft.com/office/powerpoint/2015/09/main">
+    <mc:Choice Requires="p159">
       <p:transition xmlns:p14="http://schemas.microsoft.com/office/powerpoint/2010/main" spd="slow" p14:dur="2000">
         <p159:morph option="byObject"/>
       </p:transition>
     </mc:Choice>
-    <mc:Fallback>
+    <mc:Fallback xmlns="">
       <p:transition spd="slow">
         <p:fade/>
       </p:transition>
@@ -40157,13 +40166,13 @@
   <p:clrMapOvr>
     <a:masterClrMapping/>
   </p:clrMapOvr>
-  <mc:AlternateContent xmlns:mc="http://schemas.openxmlformats.org/markup-compatibility/2006">
-    <mc:Choice xmlns:p159="http://schemas.microsoft.com/office/powerpoint/2015/09/main" Requires="p159">
+  <mc:AlternateContent xmlns:mc="http://schemas.openxmlformats.org/markup-compatibility/2006" xmlns:p159="http://schemas.microsoft.com/office/powerpoint/2015/09/main">
+    <mc:Choice Requires="p159">
       <p:transition xmlns:p14="http://schemas.microsoft.com/office/powerpoint/2010/main" spd="slow" p14:dur="2000">
         <p159:morph option="byObject"/>
       </p:transition>
     </mc:Choice>
-    <mc:Fallback>
+    <mc:Fallback xmlns="">
       <p:transition spd="slow">
         <p:fade/>
       </p:transition>
@@ -41603,13 +41612,13 @@
   <p:clrMapOvr>
     <a:masterClrMapping/>
   </p:clrMapOvr>
-  <mc:AlternateContent xmlns:mc="http://schemas.openxmlformats.org/markup-compatibility/2006">
-    <mc:Choice xmlns:p159="http://schemas.microsoft.com/office/powerpoint/2015/09/main" Requires="p159">
+  <mc:AlternateContent xmlns:mc="http://schemas.openxmlformats.org/markup-compatibility/2006" xmlns:p159="http://schemas.microsoft.com/office/powerpoint/2015/09/main">
+    <mc:Choice Requires="p159">
       <p:transition xmlns:p14="http://schemas.microsoft.com/office/powerpoint/2010/main" spd="slow" p14:dur="2000">
         <p159:morph option="byObject"/>
       </p:transition>
     </mc:Choice>
-    <mc:Fallback>
+    <mc:Fallback xmlns="">
       <p:transition spd="slow">
         <p:fade/>
       </p:transition>
@@ -41896,13 +41905,13 @@
   <p:clrMapOvr>
     <a:masterClrMapping/>
   </p:clrMapOvr>
-  <mc:AlternateContent xmlns:mc="http://schemas.openxmlformats.org/markup-compatibility/2006">
-    <mc:Choice xmlns:p159="http://schemas.microsoft.com/office/powerpoint/2015/09/main" Requires="p159">
+  <mc:AlternateContent xmlns:mc="http://schemas.openxmlformats.org/markup-compatibility/2006" xmlns:p159="http://schemas.microsoft.com/office/powerpoint/2015/09/main">
+    <mc:Choice Requires="p159">
       <p:transition xmlns:p14="http://schemas.microsoft.com/office/powerpoint/2010/main" spd="slow" p14:dur="2000">
         <p159:morph option="byObject"/>
       </p:transition>
     </mc:Choice>
-    <mc:Fallback>
+    <mc:Fallback xmlns="">
       <p:transition spd="slow">
         <p:fade/>
       </p:transition>
@@ -42261,13 +42270,13 @@
   <p:clrMapOvr>
     <a:masterClrMapping/>
   </p:clrMapOvr>
-  <mc:AlternateContent xmlns:mc="http://schemas.openxmlformats.org/markup-compatibility/2006">
-    <mc:Choice xmlns:p159="http://schemas.microsoft.com/office/powerpoint/2015/09/main" Requires="p159">
+  <mc:AlternateContent xmlns:mc="http://schemas.openxmlformats.org/markup-compatibility/2006" xmlns:p159="http://schemas.microsoft.com/office/powerpoint/2015/09/main">
+    <mc:Choice Requires="p159">
       <p:transition xmlns:p14="http://schemas.microsoft.com/office/powerpoint/2010/main" spd="slow" p14:dur="2000">
         <p159:morph option="byObject"/>
       </p:transition>
     </mc:Choice>
-    <mc:Fallback>
+    <mc:Fallback xmlns="">
       <p:transition spd="slow">
         <p:fade/>
       </p:transition>
@@ -42486,13 +42495,13 @@
   <p:clrMapOvr>
     <a:masterClrMapping/>
   </p:clrMapOvr>
-  <mc:AlternateContent xmlns:mc="http://schemas.openxmlformats.org/markup-compatibility/2006">
-    <mc:Choice xmlns:p159="http://schemas.microsoft.com/office/powerpoint/2015/09/main" Requires="p159">
+  <mc:AlternateContent xmlns:mc="http://schemas.openxmlformats.org/markup-compatibility/2006" xmlns:p159="http://schemas.microsoft.com/office/powerpoint/2015/09/main">
+    <mc:Choice Requires="p159">
       <p:transition xmlns:p14="http://schemas.microsoft.com/office/powerpoint/2010/main" spd="slow" p14:dur="2000">
         <p159:morph option="byObject"/>
       </p:transition>
     </mc:Choice>
-    <mc:Fallback>
+    <mc:Fallback xmlns="">
       <p:transition spd="slow">
         <p:fade/>
       </p:transition>

--- a/Dissertacao/apresentação_tese.pptx
+++ b/Dissertacao/apresentação_tese.pptx
@@ -19719,49 +19719,6 @@
       </mc:AlternateContent>
       <p:cxnSp>
         <p:nvCxnSpPr>
-          <p:cNvPr id="50" name="Conexão reta unidirecional 27">
-            <a:extLst>
-              <a:ext uri="{FF2B5EF4-FFF2-40B4-BE49-F238E27FC236}">
-                <a16:creationId xmlns:a16="http://schemas.microsoft.com/office/drawing/2014/main" id="{4D2AB137-F536-4C89-8EFA-91D5A87A80D7}"/>
-              </a:ext>
-            </a:extLst>
-          </p:cNvPr>
-          <p:cNvCxnSpPr>
-            <a:cxnSpLocks/>
-            <a:stCxn id="10" idx="3"/>
-            <a:endCxn id="39" idx="2"/>
-          </p:cNvCxnSpPr>
-          <p:nvPr/>
-        </p:nvCxnSpPr>
-        <p:spPr>
-          <a:xfrm>
-            <a:off x="5981200" y="5212540"/>
-            <a:ext cx="802839" cy="4466"/>
-          </a:xfrm>
-          <a:prstGeom prst="straightConnector1">
-            <a:avLst/>
-          </a:prstGeom>
-          <a:ln w="28575">
-            <a:tailEnd type="triangle"/>
-          </a:ln>
-        </p:spPr>
-        <p:style>
-          <a:lnRef idx="1">
-            <a:schemeClr val="dk1"/>
-          </a:lnRef>
-          <a:fillRef idx="0">
-            <a:schemeClr val="dk1"/>
-          </a:fillRef>
-          <a:effectRef idx="0">
-            <a:schemeClr val="dk1"/>
-          </a:effectRef>
-          <a:fontRef idx="minor">
-            <a:schemeClr val="tx1"/>
-          </a:fontRef>
-        </p:style>
-      </p:cxnSp>
-      <p:cxnSp>
-        <p:nvCxnSpPr>
           <p:cNvPr id="62" name="Conexão reta unidirecional 27">
             <a:extLst>
               <a:ext uri="{FF2B5EF4-FFF2-40B4-BE49-F238E27FC236}">
@@ -19775,9 +19732,9 @@
           <p:nvPr/>
         </p:nvCxnSpPr>
         <p:spPr>
-          <a:xfrm flipV="1">
-            <a:off x="4731618" y="4178569"/>
-            <a:ext cx="0" cy="443807"/>
+          <a:xfrm flipH="1" flipV="1">
+            <a:off x="4731617" y="4149845"/>
+            <a:ext cx="1" cy="472532"/>
           </a:xfrm>
           <a:prstGeom prst="straightConnector1">
             <a:avLst/>
@@ -19954,8 +19911,8 @@
           </a:fontRef>
         </p:style>
       </p:cxnSp>
-      <mc:AlternateContent xmlns:mc="http://schemas.openxmlformats.org/markup-compatibility/2006" xmlns:a14="http://schemas.microsoft.com/office/drawing/2010/main">
-        <mc:Choice Requires="a14">
+      <mc:AlternateContent xmlns:mc="http://schemas.openxmlformats.org/markup-compatibility/2006">
+        <mc:Choice xmlns:a14="http://schemas.microsoft.com/office/drawing/2010/main" Requires="a14">
           <p:sp>
             <p:nvSpPr>
               <p:cNvPr id="174" name="TextBox 173">
@@ -19970,7 +19927,7 @@
             </p:nvSpPr>
             <p:spPr>
               <a:xfrm>
-                <a:off x="10003657" y="4887229"/>
+                <a:off x="9952799" y="5296247"/>
                 <a:ext cx="1991835" cy="646331"/>
               </a:xfrm>
               <a:prstGeom prst="rect">
@@ -20039,7 +19996,7 @@
             </p:txBody>
           </p:sp>
         </mc:Choice>
-        <mc:Fallback xmlns="">
+        <mc:Fallback>
           <p:sp>
             <p:nvSpPr>
               <p:cNvPr id="174" name="TextBox 173">
@@ -20056,7 +20013,7 @@
             </p:nvSpPr>
             <p:spPr>
               <a:xfrm>
-                <a:off x="10003657" y="4887229"/>
+                <a:off x="9952799" y="5296247"/>
                 <a:ext cx="1991835" cy="646331"/>
               </a:xfrm>
               <a:prstGeom prst="rect">
@@ -20065,7 +20022,7 @@
               <a:blipFill>
                 <a:blip r:embed="rId5"/>
                 <a:stretch>
-                  <a:fillRect l="-2446" t="-5660" r="-1529" b="-14151"/>
+                  <a:fillRect l="-2761" t="-5660" r="-1534" b="-14151"/>
                 </a:stretch>
               </a:blipFill>
             </p:spPr>
@@ -20404,8 +20361,8 @@
         </p:nvSpPr>
         <p:spPr>
           <a:xfrm>
-            <a:off x="6784039" y="4546178"/>
-            <a:ext cx="1666903" cy="1341656"/>
+            <a:off x="7824531" y="4797140"/>
+            <a:ext cx="1666903" cy="1644610"/>
           </a:xfrm>
           <a:prstGeom prst="flowChartConnector">
             <a:avLst/>
@@ -20430,7 +20387,7 @@
                   <a:schemeClr val="bg1"/>
                 </a:solidFill>
               </a:rPr>
-              <a:t>Each index takes a vote on the umber of clusters</a:t>
+              <a:t>Each index takes a vote on the number of clusters</a:t>
             </a:r>
           </a:p>
         </p:txBody>
@@ -20446,13 +20403,12 @@
           </p:cNvPr>
           <p:cNvCxnSpPr>
             <a:cxnSpLocks/>
-            <a:endCxn id="174" idx="1"/>
           </p:cNvCxnSpPr>
           <p:nvPr/>
         </p:nvCxnSpPr>
         <p:spPr>
           <a:xfrm>
-            <a:off x="9534525" y="5210363"/>
+            <a:off x="9483667" y="5619413"/>
             <a:ext cx="469132" cy="32"/>
           </a:xfrm>
           <a:prstGeom prst="straightConnector1">
@@ -20540,49 +20496,6 @@
           <a:xfrm>
             <a:off x="605786" y="4151809"/>
             <a:ext cx="0" cy="2318895"/>
-          </a:xfrm>
-          <a:prstGeom prst="line">
-            <a:avLst/>
-          </a:prstGeom>
-          <a:ln w="38100">
-            <a:solidFill>
-              <a:srgbClr val="00B050"/>
-            </a:solidFill>
-          </a:ln>
-        </p:spPr>
-        <p:style>
-          <a:lnRef idx="2">
-            <a:schemeClr val="dk1"/>
-          </a:lnRef>
-          <a:fillRef idx="0">
-            <a:schemeClr val="dk1"/>
-          </a:fillRef>
-          <a:effectRef idx="1">
-            <a:schemeClr val="dk1"/>
-          </a:effectRef>
-          <a:fontRef idx="minor">
-            <a:schemeClr val="tx1"/>
-          </a:fontRef>
-        </p:style>
-      </p:cxnSp>
-      <p:cxnSp>
-        <p:nvCxnSpPr>
-          <p:cNvPr id="86" name="Straight Connector 85">
-            <a:extLst>
-              <a:ext uri="{FF2B5EF4-FFF2-40B4-BE49-F238E27FC236}">
-                <a16:creationId xmlns:a16="http://schemas.microsoft.com/office/drawing/2014/main" id="{BCC4DD37-55B8-48E2-B08C-0606DF7AD47B}"/>
-              </a:ext>
-            </a:extLst>
-          </p:cNvPr>
-          <p:cNvCxnSpPr>
-            <a:cxnSpLocks/>
-          </p:cNvCxnSpPr>
-          <p:nvPr/>
-        </p:nvCxnSpPr>
-        <p:spPr>
-          <a:xfrm>
-            <a:off x="605787" y="6470704"/>
-            <a:ext cx="8928738" cy="0"/>
           </a:xfrm>
           <a:prstGeom prst="line">
             <a:avLst/>
@@ -20757,20 +20670,17 @@
           </p:cNvPr>
           <p:cNvCxnSpPr>
             <a:cxnSpLocks/>
-            <a:stCxn id="98" idx="2"/>
-            <a:endCxn id="39" idx="0"/>
+            <a:endCxn id="39" idx="2"/>
           </p:cNvCxnSpPr>
           <p:nvPr/>
         </p:nvCxnSpPr>
         <p:spPr>
           <a:xfrm rot="16200000" flipH="1">
-            <a:off x="7419325" y="4348011"/>
-            <a:ext cx="396331" cy="1"/>
+            <a:off x="6578087" y="4373001"/>
+            <a:ext cx="1477350" cy="1015537"/>
           </a:xfrm>
-          <a:prstGeom prst="bentConnector3">
-            <a:avLst>
-              <a:gd name="adj1" fmla="val 50000"/>
-            </a:avLst>
+          <a:prstGeom prst="bentConnector2">
+            <a:avLst/>
           </a:prstGeom>
           <a:ln w="38100">
             <a:solidFill>
@@ -21044,7 +20954,7 @@
         </p:nvSpPr>
         <p:spPr>
           <a:xfrm>
-            <a:off x="7617489" y="4232460"/>
+            <a:off x="6808992" y="4242280"/>
             <a:ext cx="1917036" cy="276999"/>
           </a:xfrm>
           <a:prstGeom prst="rect">
@@ -21081,8 +20991,8 @@
         </p:nvCxnSpPr>
         <p:spPr>
           <a:xfrm flipV="1">
-            <a:off x="9507621" y="4608818"/>
-            <a:ext cx="2487871" cy="18676"/>
+            <a:off x="7477125" y="4608818"/>
+            <a:ext cx="4518367" cy="9245"/>
           </a:xfrm>
           <a:prstGeom prst="line">
             <a:avLst/>
@@ -21124,8 +21034,8 @@
         </p:nvCxnSpPr>
         <p:spPr>
           <a:xfrm>
-            <a:off x="605787" y="6470704"/>
-            <a:ext cx="8116702" cy="0"/>
+            <a:off x="605786" y="6470704"/>
+            <a:ext cx="6871339" cy="0"/>
           </a:xfrm>
           <a:prstGeom prst="line">
             <a:avLst/>
@@ -21167,7 +21077,7 @@
         </p:nvCxnSpPr>
         <p:spPr>
           <a:xfrm flipV="1">
-            <a:off x="9534525" y="4622376"/>
+            <a:off x="7477125" y="4597034"/>
             <a:ext cx="0" cy="1848328"/>
           </a:xfrm>
           <a:prstGeom prst="line">
@@ -32955,7 +32865,7 @@
         </p:spPr>
         <p:txBody>
           <a:bodyPr>
-            <a:normAutofit lnSpcReduction="10000"/>
+            <a:normAutofit fontScale="92500" lnSpcReduction="10000"/>
           </a:bodyPr>
           <a:lstStyle/>
           <a:p>
@@ -33051,7 +32961,15 @@
             </a:pPr>
             <a:r>
               <a:rPr lang="pt-PT" sz="2000" dirty="0"/>
-              <a:t> The performance metric used (% success rate) might have been to “cruel” for our tool.</a:t>
+              <a:t> </a:t>
+            </a:r>
+            <a:r>
+              <a:rPr lang="pt-PT" sz="2000" b="1" dirty="0"/>
+              <a:t>Although</a:t>
+            </a:r>
+            <a:r>
+              <a:rPr lang="pt-PT" sz="2000" dirty="0"/>
+              <a:t>, the performance metric used (% success rate) might have been to “cruel” for our tool. Sometimes a structure with a difference of one cluster to another is not a punishable act.</a:t>
             </a:r>
           </a:p>
           <a:p>
